--- a/image/final/포스터.pptx
+++ b/image/final/포스터.pptx
@@ -2984,10 +2984,10 @@
       </p:grpSpPr>
       <p:pic>
         <p:nvPicPr>
-          <p:cNvPr id="11" name="그림 10" descr="텍스트이(가) 표시된 사진&#10;&#10;자동 생성된 설명">
+          <p:cNvPr id="3" name="그림 2">
             <a:extLst>
               <a:ext uri="{FF2B5EF4-FFF2-40B4-BE49-F238E27FC236}">
-                <a16:creationId xmlns:a16="http://schemas.microsoft.com/office/drawing/2014/main" id="{D6EECEDD-C5A3-6C42-93CA-2FE9E42645D1}"/>
+                <a16:creationId xmlns:a16="http://schemas.microsoft.com/office/drawing/2014/main" id="{AE5202AC-A7B2-DF4A-B5B5-85CF2623FC65}"/>
               </a:ext>
             </a:extLst>
           </p:cNvPr>
